--- a/files/poster_text2.pptx
+++ b/files/poster_text2.pptx
@@ -226,9 +226,9 @@
           <a:p>
             <a:fld id="{F78111EA-8849-A743-8936-228970ED791A}" type="datetimeFigureOut">
               <a:rPr lang="en-US" smtClean="0"/>
-              <a:t>2016/09/14</a:t>
+              <a:t>2016/10/01</a:t>
             </a:fld>
-            <a:endParaRPr lang="en-US" dirty="0"/>
+            <a:endParaRPr lang="fr-CA" dirty="0"/>
           </a:p>
         </p:txBody>
       </p:sp>
@@ -294,7 +294,7 @@
               <a:rPr lang="en-US" smtClean="0"/>
               <a:t>‹#›</a:t>
             </a:fld>
-            <a:endParaRPr lang="en-US" dirty="0"/>
+            <a:endParaRPr lang="fr-CA" dirty="0"/>
           </a:p>
         </p:txBody>
       </p:sp>
@@ -393,7 +393,7 @@
             <a:fld id="{8A3D18AC-994F-4C78-B961-347E50EAB93B}" type="datetimeFigureOut">
               <a:rPr lang="fr-CA" smtClean="0"/>
               <a:pPr/>
-              <a:t>2016-09-14</a:t>
+              <a:t>2016-10-01</a:t>
             </a:fld>
             <a:endParaRPr lang="fr-CA" dirty="0"/>
           </a:p>
@@ -459,38 +459,85 @@
           <a:p>
             <a:pPr lvl="0"/>
             <a:r>
-              <a:rPr lang="en-US"/>
-              <a:t>Click to edit Master text styles</a:t>
+              <a:rPr lang="fr-CA" dirty="0"/>
+              <a:t>Click to </a:t>
+            </a:r>
+            <a:r>
+              <a:rPr lang="fr-CA" dirty="0" err="1"/>
+              <a:t>edit</a:t>
+            </a:r>
+            <a:r>
+              <a:rPr lang="fr-CA" dirty="0"/>
+              <a:t> Master </a:t>
+            </a:r>
+            <a:r>
+              <a:rPr lang="fr-CA" dirty="0" err="1"/>
+              <a:t>text</a:t>
+            </a:r>
+            <a:r>
+              <a:rPr lang="fr-CA" dirty="0"/>
+              <a:t> styles</a:t>
             </a:r>
           </a:p>
           <a:p>
             <a:pPr lvl="1"/>
             <a:r>
-              <a:rPr lang="en-US"/>
-              <a:t>Second level</a:t>
+              <a:rPr lang="fr-CA" dirty="0"/>
+              <a:t>Second </a:t>
             </a:r>
+            <a:r>
+              <a:rPr lang="fr-CA" dirty="0" err="1"/>
+              <a:t>level</a:t>
+            </a:r>
+            <a:endParaRPr lang="fr-CA" dirty="0"/>
           </a:p>
           <a:p>
             <a:pPr lvl="2"/>
             <a:r>
-              <a:rPr lang="en-US"/>
-              <a:t>Third level</a:t>
+              <a:rPr lang="fr-CA" dirty="0" err="1"/>
+              <a:t>Third</a:t>
             </a:r>
+            <a:r>
+              <a:rPr lang="fr-CA" dirty="0"/>
+              <a:t> </a:t>
+            </a:r>
+            <a:r>
+              <a:rPr lang="fr-CA" dirty="0" err="1"/>
+              <a:t>level</a:t>
+            </a:r>
+            <a:endParaRPr lang="fr-CA" dirty="0"/>
           </a:p>
           <a:p>
             <a:pPr lvl="3"/>
             <a:r>
-              <a:rPr lang="en-US"/>
-              <a:t>Fourth level</a:t>
+              <a:rPr lang="fr-CA" dirty="0" err="1"/>
+              <a:t>Fourth</a:t>
             </a:r>
+            <a:r>
+              <a:rPr lang="fr-CA" dirty="0"/>
+              <a:t> </a:t>
+            </a:r>
+            <a:r>
+              <a:rPr lang="fr-CA" dirty="0" err="1"/>
+              <a:t>level</a:t>
+            </a:r>
+            <a:endParaRPr lang="fr-CA" dirty="0"/>
           </a:p>
           <a:p>
             <a:pPr lvl="4"/>
             <a:r>
-              <a:rPr lang="en-US"/>
-              <a:t>Fifth level</a:t>
+              <a:rPr lang="fr-CA" dirty="0" err="1"/>
+              <a:t>Fifth</a:t>
             </a:r>
-            <a:endParaRPr lang="fr-CA"/>
+            <a:r>
+              <a:rPr lang="fr-CA" dirty="0"/>
+              <a:t> </a:t>
+            </a:r>
+            <a:r>
+              <a:rPr lang="fr-CA" dirty="0" err="1"/>
+              <a:t>level</a:t>
+            </a:r>
+            <a:endParaRPr lang="fr-CA" dirty="0"/>
           </a:p>
         </p:txBody>
       </p:sp>
@@ -663,6 +710,516 @@
     </a:lvl9pPr>
   </p:notesStyle>
 </p:notesMaster>
+</file>
+
+<file path=ppt/notesSlides/notesSlide1.xml><?xml version="1.0" encoding="utf-8"?>
+<p:notes xmlns:a="http://schemas.openxmlformats.org/drawingml/2006/main" xmlns:r="http://schemas.openxmlformats.org/officeDocument/2006/relationships" xmlns:p="http://schemas.openxmlformats.org/presentationml/2006/main">
+  <p:cSld>
+    <p:spTree>
+      <p:nvGrpSpPr>
+        <p:cNvPr id="1" name=""/>
+        <p:cNvGrpSpPr/>
+        <p:nvPr/>
+      </p:nvGrpSpPr>
+      <p:grpSpPr>
+        <a:xfrm>
+          <a:off x="0" y="0"/>
+          <a:ext cx="0" cy="0"/>
+          <a:chOff x="0" y="0"/>
+          <a:chExt cx="0" cy="0"/>
+        </a:xfrm>
+      </p:grpSpPr>
+      <p:sp>
+        <p:nvSpPr>
+          <p:cNvPr id="2" name="Slide Image Placeholder 1"/>
+          <p:cNvSpPr>
+            <a:spLocks noGrp="1" noRot="1" noChangeAspect="1"/>
+          </p:cNvSpPr>
+          <p:nvPr>
+            <p:ph type="sldImg"/>
+          </p:nvPr>
+        </p:nvSpPr>
+        <p:spPr/>
+      </p:sp>
+      <p:sp>
+        <p:nvSpPr>
+          <p:cNvPr id="3" name="Notes Placeholder 2"/>
+          <p:cNvSpPr>
+            <a:spLocks noGrp="1"/>
+          </p:cNvSpPr>
+          <p:nvPr>
+            <p:ph type="body" idx="1"/>
+          </p:nvPr>
+        </p:nvSpPr>
+        <p:spPr/>
+        <p:txBody>
+          <a:bodyPr/>
+          <a:lstStyle/>
+          <a:p>
+            <a:endParaRPr lang="fr-CA"/>
+          </a:p>
+        </p:txBody>
+      </p:sp>
+      <p:sp>
+        <p:nvSpPr>
+          <p:cNvPr id="4" name="Slide Number Placeholder 3"/>
+          <p:cNvSpPr>
+            <a:spLocks noGrp="1"/>
+          </p:cNvSpPr>
+          <p:nvPr>
+            <p:ph type="sldNum" sz="quarter" idx="10"/>
+          </p:nvPr>
+        </p:nvSpPr>
+        <p:spPr/>
+        <p:txBody>
+          <a:bodyPr/>
+          <a:lstStyle/>
+          <a:p>
+            <a:fld id="{90605D02-FA66-408B-B507-A581ADC3A085}" type="slidenum">
+              <a:rPr lang="fr-CA" smtClean="0"/>
+              <a:pPr/>
+              <a:t>1</a:t>
+            </a:fld>
+            <a:endParaRPr lang="fr-CA" dirty="0"/>
+          </a:p>
+        </p:txBody>
+      </p:sp>
+    </p:spTree>
+    <p:extLst>
+      <p:ext uri="{BB962C8B-B14F-4D97-AF65-F5344CB8AC3E}">
+        <p14:creationId xmlns:p14="http://schemas.microsoft.com/office/powerpoint/2010/main" val="765052376"/>
+      </p:ext>
+    </p:extLst>
+  </p:cSld>
+  <p:clrMapOvr>
+    <a:masterClrMapping/>
+  </p:clrMapOvr>
+</p:notes>
+</file>
+
+<file path=ppt/notesSlides/notesSlide2.xml><?xml version="1.0" encoding="utf-8"?>
+<p:notes xmlns:a="http://schemas.openxmlformats.org/drawingml/2006/main" xmlns:r="http://schemas.openxmlformats.org/officeDocument/2006/relationships" xmlns:p="http://schemas.openxmlformats.org/presentationml/2006/main">
+  <p:cSld>
+    <p:spTree>
+      <p:nvGrpSpPr>
+        <p:cNvPr id="1" name=""/>
+        <p:cNvGrpSpPr/>
+        <p:nvPr/>
+      </p:nvGrpSpPr>
+      <p:grpSpPr>
+        <a:xfrm>
+          <a:off x="0" y="0"/>
+          <a:ext cx="0" cy="0"/>
+          <a:chOff x="0" y="0"/>
+          <a:chExt cx="0" cy="0"/>
+        </a:xfrm>
+      </p:grpSpPr>
+      <p:sp>
+        <p:nvSpPr>
+          <p:cNvPr id="2" name="Slide Image Placeholder 1"/>
+          <p:cNvSpPr>
+            <a:spLocks noGrp="1" noRot="1" noChangeAspect="1"/>
+          </p:cNvSpPr>
+          <p:nvPr>
+            <p:ph type="sldImg"/>
+          </p:nvPr>
+        </p:nvSpPr>
+        <p:spPr/>
+      </p:sp>
+      <p:sp>
+        <p:nvSpPr>
+          <p:cNvPr id="3" name="Notes Placeholder 2"/>
+          <p:cNvSpPr>
+            <a:spLocks noGrp="1"/>
+          </p:cNvSpPr>
+          <p:nvPr>
+            <p:ph type="body" idx="1"/>
+          </p:nvPr>
+        </p:nvSpPr>
+        <p:spPr/>
+        <p:txBody>
+          <a:bodyPr/>
+          <a:lstStyle/>
+          <a:p>
+            <a:endParaRPr lang="fr-CA"/>
+          </a:p>
+        </p:txBody>
+      </p:sp>
+      <p:sp>
+        <p:nvSpPr>
+          <p:cNvPr id="4" name="Slide Number Placeholder 3"/>
+          <p:cNvSpPr>
+            <a:spLocks noGrp="1"/>
+          </p:cNvSpPr>
+          <p:nvPr>
+            <p:ph type="sldNum" sz="quarter" idx="10"/>
+          </p:nvPr>
+        </p:nvSpPr>
+        <p:spPr/>
+        <p:txBody>
+          <a:bodyPr/>
+          <a:lstStyle/>
+          <a:p>
+            <a:fld id="{90605D02-FA66-408B-B507-A581ADC3A085}" type="slidenum">
+              <a:rPr lang="fr-CA" smtClean="0"/>
+              <a:pPr/>
+              <a:t>2</a:t>
+            </a:fld>
+            <a:endParaRPr lang="fr-CA" dirty="0"/>
+          </a:p>
+        </p:txBody>
+      </p:sp>
+    </p:spTree>
+    <p:extLst>
+      <p:ext uri="{BB962C8B-B14F-4D97-AF65-F5344CB8AC3E}">
+        <p14:creationId xmlns:p14="http://schemas.microsoft.com/office/powerpoint/2010/main" val="3087818203"/>
+      </p:ext>
+    </p:extLst>
+  </p:cSld>
+  <p:clrMapOvr>
+    <a:masterClrMapping/>
+  </p:clrMapOvr>
+</p:notes>
+</file>
+
+<file path=ppt/notesSlides/notesSlide3.xml><?xml version="1.0" encoding="utf-8"?>
+<p:notes xmlns:a="http://schemas.openxmlformats.org/drawingml/2006/main" xmlns:r="http://schemas.openxmlformats.org/officeDocument/2006/relationships" xmlns:p="http://schemas.openxmlformats.org/presentationml/2006/main">
+  <p:cSld>
+    <p:spTree>
+      <p:nvGrpSpPr>
+        <p:cNvPr id="1" name=""/>
+        <p:cNvGrpSpPr/>
+        <p:nvPr/>
+      </p:nvGrpSpPr>
+      <p:grpSpPr>
+        <a:xfrm>
+          <a:off x="0" y="0"/>
+          <a:ext cx="0" cy="0"/>
+          <a:chOff x="0" y="0"/>
+          <a:chExt cx="0" cy="0"/>
+        </a:xfrm>
+      </p:grpSpPr>
+      <p:sp>
+        <p:nvSpPr>
+          <p:cNvPr id="2" name="Slide Image Placeholder 1"/>
+          <p:cNvSpPr>
+            <a:spLocks noGrp="1" noRot="1" noChangeAspect="1"/>
+          </p:cNvSpPr>
+          <p:nvPr>
+            <p:ph type="sldImg"/>
+          </p:nvPr>
+        </p:nvSpPr>
+        <p:spPr/>
+      </p:sp>
+      <p:sp>
+        <p:nvSpPr>
+          <p:cNvPr id="3" name="Notes Placeholder 2"/>
+          <p:cNvSpPr>
+            <a:spLocks noGrp="1"/>
+          </p:cNvSpPr>
+          <p:nvPr>
+            <p:ph type="body" idx="1"/>
+          </p:nvPr>
+        </p:nvSpPr>
+        <p:spPr/>
+        <p:txBody>
+          <a:bodyPr/>
+          <a:lstStyle/>
+          <a:p>
+            <a:endParaRPr lang="fr-CA"/>
+          </a:p>
+        </p:txBody>
+      </p:sp>
+      <p:sp>
+        <p:nvSpPr>
+          <p:cNvPr id="4" name="Slide Number Placeholder 3"/>
+          <p:cNvSpPr>
+            <a:spLocks noGrp="1"/>
+          </p:cNvSpPr>
+          <p:nvPr>
+            <p:ph type="sldNum" sz="quarter" idx="10"/>
+          </p:nvPr>
+        </p:nvSpPr>
+        <p:spPr/>
+        <p:txBody>
+          <a:bodyPr/>
+          <a:lstStyle/>
+          <a:p>
+            <a:fld id="{90605D02-FA66-408B-B507-A581ADC3A085}" type="slidenum">
+              <a:rPr lang="fr-CA" smtClean="0"/>
+              <a:pPr/>
+              <a:t>3</a:t>
+            </a:fld>
+            <a:endParaRPr lang="fr-CA" dirty="0"/>
+          </a:p>
+        </p:txBody>
+      </p:sp>
+    </p:spTree>
+    <p:extLst>
+      <p:ext uri="{BB962C8B-B14F-4D97-AF65-F5344CB8AC3E}">
+        <p14:creationId xmlns:p14="http://schemas.microsoft.com/office/powerpoint/2010/main" val="1087714642"/>
+      </p:ext>
+    </p:extLst>
+  </p:cSld>
+  <p:clrMapOvr>
+    <a:masterClrMapping/>
+  </p:clrMapOvr>
+</p:notes>
+</file>
+
+<file path=ppt/notesSlides/notesSlide4.xml><?xml version="1.0" encoding="utf-8"?>
+<p:notes xmlns:a="http://schemas.openxmlformats.org/drawingml/2006/main" xmlns:r="http://schemas.openxmlformats.org/officeDocument/2006/relationships" xmlns:p="http://schemas.openxmlformats.org/presentationml/2006/main">
+  <p:cSld>
+    <p:spTree>
+      <p:nvGrpSpPr>
+        <p:cNvPr id="1" name=""/>
+        <p:cNvGrpSpPr/>
+        <p:nvPr/>
+      </p:nvGrpSpPr>
+      <p:grpSpPr>
+        <a:xfrm>
+          <a:off x="0" y="0"/>
+          <a:ext cx="0" cy="0"/>
+          <a:chOff x="0" y="0"/>
+          <a:chExt cx="0" cy="0"/>
+        </a:xfrm>
+      </p:grpSpPr>
+      <p:sp>
+        <p:nvSpPr>
+          <p:cNvPr id="2" name="Slide Image Placeholder 1"/>
+          <p:cNvSpPr>
+            <a:spLocks noGrp="1" noRot="1" noChangeAspect="1"/>
+          </p:cNvSpPr>
+          <p:nvPr>
+            <p:ph type="sldImg"/>
+          </p:nvPr>
+        </p:nvSpPr>
+        <p:spPr/>
+      </p:sp>
+      <p:sp>
+        <p:nvSpPr>
+          <p:cNvPr id="3" name="Notes Placeholder 2"/>
+          <p:cNvSpPr>
+            <a:spLocks noGrp="1"/>
+          </p:cNvSpPr>
+          <p:nvPr>
+            <p:ph type="body" idx="1"/>
+          </p:nvPr>
+        </p:nvSpPr>
+        <p:spPr/>
+        <p:txBody>
+          <a:bodyPr/>
+          <a:lstStyle/>
+          <a:p>
+            <a:endParaRPr lang="fr-CA"/>
+          </a:p>
+        </p:txBody>
+      </p:sp>
+      <p:sp>
+        <p:nvSpPr>
+          <p:cNvPr id="4" name="Slide Number Placeholder 3"/>
+          <p:cNvSpPr>
+            <a:spLocks noGrp="1"/>
+          </p:cNvSpPr>
+          <p:nvPr>
+            <p:ph type="sldNum" sz="quarter" idx="10"/>
+          </p:nvPr>
+        </p:nvSpPr>
+        <p:spPr/>
+        <p:txBody>
+          <a:bodyPr/>
+          <a:lstStyle/>
+          <a:p>
+            <a:fld id="{90605D02-FA66-408B-B507-A581ADC3A085}" type="slidenum">
+              <a:rPr lang="fr-CA" smtClean="0"/>
+              <a:pPr/>
+              <a:t>4</a:t>
+            </a:fld>
+            <a:endParaRPr lang="fr-CA" dirty="0"/>
+          </a:p>
+        </p:txBody>
+      </p:sp>
+    </p:spTree>
+    <p:extLst>
+      <p:ext uri="{BB962C8B-B14F-4D97-AF65-F5344CB8AC3E}">
+        <p14:creationId xmlns:p14="http://schemas.microsoft.com/office/powerpoint/2010/main" val="3748793275"/>
+      </p:ext>
+    </p:extLst>
+  </p:cSld>
+  <p:clrMapOvr>
+    <a:masterClrMapping/>
+  </p:clrMapOvr>
+</p:notes>
+</file>
+
+<file path=ppt/notesSlides/notesSlide5.xml><?xml version="1.0" encoding="utf-8"?>
+<p:notes xmlns:a="http://schemas.openxmlformats.org/drawingml/2006/main" xmlns:r="http://schemas.openxmlformats.org/officeDocument/2006/relationships" xmlns:p="http://schemas.openxmlformats.org/presentationml/2006/main">
+  <p:cSld>
+    <p:spTree>
+      <p:nvGrpSpPr>
+        <p:cNvPr id="1" name=""/>
+        <p:cNvGrpSpPr/>
+        <p:nvPr/>
+      </p:nvGrpSpPr>
+      <p:grpSpPr>
+        <a:xfrm>
+          <a:off x="0" y="0"/>
+          <a:ext cx="0" cy="0"/>
+          <a:chOff x="0" y="0"/>
+          <a:chExt cx="0" cy="0"/>
+        </a:xfrm>
+      </p:grpSpPr>
+      <p:sp>
+        <p:nvSpPr>
+          <p:cNvPr id="2" name="Slide Image Placeholder 1"/>
+          <p:cNvSpPr>
+            <a:spLocks noGrp="1" noRot="1" noChangeAspect="1"/>
+          </p:cNvSpPr>
+          <p:nvPr>
+            <p:ph type="sldImg"/>
+          </p:nvPr>
+        </p:nvSpPr>
+        <p:spPr/>
+      </p:sp>
+      <p:sp>
+        <p:nvSpPr>
+          <p:cNvPr id="3" name="Notes Placeholder 2"/>
+          <p:cNvSpPr>
+            <a:spLocks noGrp="1"/>
+          </p:cNvSpPr>
+          <p:nvPr>
+            <p:ph type="body" idx="1"/>
+          </p:nvPr>
+        </p:nvSpPr>
+        <p:spPr/>
+        <p:txBody>
+          <a:bodyPr/>
+          <a:lstStyle/>
+          <a:p>
+            <a:endParaRPr lang="fr-CA"/>
+          </a:p>
+        </p:txBody>
+      </p:sp>
+      <p:sp>
+        <p:nvSpPr>
+          <p:cNvPr id="4" name="Slide Number Placeholder 3"/>
+          <p:cNvSpPr>
+            <a:spLocks noGrp="1"/>
+          </p:cNvSpPr>
+          <p:nvPr>
+            <p:ph type="sldNum" sz="quarter" idx="10"/>
+          </p:nvPr>
+        </p:nvSpPr>
+        <p:spPr/>
+        <p:txBody>
+          <a:bodyPr/>
+          <a:lstStyle/>
+          <a:p>
+            <a:fld id="{90605D02-FA66-408B-B507-A581ADC3A085}" type="slidenum">
+              <a:rPr lang="fr-CA" smtClean="0"/>
+              <a:pPr/>
+              <a:t>5</a:t>
+            </a:fld>
+            <a:endParaRPr lang="fr-CA" dirty="0"/>
+          </a:p>
+        </p:txBody>
+      </p:sp>
+    </p:spTree>
+    <p:extLst>
+      <p:ext uri="{BB962C8B-B14F-4D97-AF65-F5344CB8AC3E}">
+        <p14:creationId xmlns:p14="http://schemas.microsoft.com/office/powerpoint/2010/main" val="3269283435"/>
+      </p:ext>
+    </p:extLst>
+  </p:cSld>
+  <p:clrMapOvr>
+    <a:masterClrMapping/>
+  </p:clrMapOvr>
+</p:notes>
+</file>
+
+<file path=ppt/notesSlides/notesSlide6.xml><?xml version="1.0" encoding="utf-8"?>
+<p:notes xmlns:a="http://schemas.openxmlformats.org/drawingml/2006/main" xmlns:r="http://schemas.openxmlformats.org/officeDocument/2006/relationships" xmlns:p="http://schemas.openxmlformats.org/presentationml/2006/main">
+  <p:cSld>
+    <p:spTree>
+      <p:nvGrpSpPr>
+        <p:cNvPr id="1" name=""/>
+        <p:cNvGrpSpPr/>
+        <p:nvPr/>
+      </p:nvGrpSpPr>
+      <p:grpSpPr>
+        <a:xfrm>
+          <a:off x="0" y="0"/>
+          <a:ext cx="0" cy="0"/>
+          <a:chOff x="0" y="0"/>
+          <a:chExt cx="0" cy="0"/>
+        </a:xfrm>
+      </p:grpSpPr>
+      <p:sp>
+        <p:nvSpPr>
+          <p:cNvPr id="2" name="Slide Image Placeholder 1"/>
+          <p:cNvSpPr>
+            <a:spLocks noGrp="1" noRot="1" noChangeAspect="1"/>
+          </p:cNvSpPr>
+          <p:nvPr>
+            <p:ph type="sldImg"/>
+          </p:nvPr>
+        </p:nvSpPr>
+        <p:spPr/>
+      </p:sp>
+      <p:sp>
+        <p:nvSpPr>
+          <p:cNvPr id="3" name="Notes Placeholder 2"/>
+          <p:cNvSpPr>
+            <a:spLocks noGrp="1"/>
+          </p:cNvSpPr>
+          <p:nvPr>
+            <p:ph type="body" idx="1"/>
+          </p:nvPr>
+        </p:nvSpPr>
+        <p:spPr/>
+        <p:txBody>
+          <a:bodyPr/>
+          <a:lstStyle/>
+          <a:p>
+            <a:endParaRPr lang="fr-CA"/>
+          </a:p>
+        </p:txBody>
+      </p:sp>
+      <p:sp>
+        <p:nvSpPr>
+          <p:cNvPr id="4" name="Slide Number Placeholder 3"/>
+          <p:cNvSpPr>
+            <a:spLocks noGrp="1"/>
+          </p:cNvSpPr>
+          <p:nvPr>
+            <p:ph type="sldNum" sz="quarter" idx="10"/>
+          </p:nvPr>
+        </p:nvSpPr>
+        <p:spPr/>
+        <p:txBody>
+          <a:bodyPr/>
+          <a:lstStyle/>
+          <a:p>
+            <a:fld id="{90605D02-FA66-408B-B507-A581ADC3A085}" type="slidenum">
+              <a:rPr lang="fr-CA" smtClean="0"/>
+              <a:pPr/>
+              <a:t>6</a:t>
+            </a:fld>
+            <a:endParaRPr lang="fr-CA" dirty="0"/>
+          </a:p>
+        </p:txBody>
+      </p:sp>
+    </p:spTree>
+    <p:extLst>
+      <p:ext uri="{BB962C8B-B14F-4D97-AF65-F5344CB8AC3E}">
+        <p14:creationId xmlns:p14="http://schemas.microsoft.com/office/powerpoint/2010/main" val="2125358433"/>
+      </p:ext>
+    </p:extLst>
+  </p:cSld>
+  <p:clrMapOvr>
+    <a:masterClrMapping/>
+  </p:clrMapOvr>
+</p:notes>
 </file>
 
 <file path=ppt/slideLayouts/slideLayout1.xml><?xml version="1.0" encoding="utf-8"?>
@@ -1593,7 +2150,7 @@
               <a:pPr/>
               <a:t>‹#›</a:t>
             </a:fld>
-            <a:endParaRPr lang="en-CA" dirty="0">
+            <a:endParaRPr lang="fr-CA" dirty="0">
               <a:solidFill>
                 <a:srgbClr val="FFFFFF"/>
               </a:solidFill>
@@ -1854,7 +2411,7 @@
               <a:pPr/>
               <a:t>‹#›</a:t>
             </a:fld>
-            <a:endParaRPr lang="en-CA" dirty="0">
+            <a:endParaRPr lang="fr-CA" dirty="0">
               <a:solidFill>
                 <a:srgbClr val="FFFFFF"/>
               </a:solidFill>
@@ -24599,9 +25156,14 @@
           <a:lstStyle/>
           <a:p>
             <a:r>
-              <a:rPr lang="en-CA" noProof="0" dirty="0"/>
-              <a:t>Insert slide title</a:t>
+              <a:rPr lang="fr-CA" noProof="0" dirty="0"/>
+              <a:t>Insert slide </a:t>
             </a:r>
+            <a:r>
+              <a:rPr lang="fr-CA" noProof="0" dirty="0" err="1"/>
+              <a:t>title</a:t>
+            </a:r>
+            <a:endParaRPr lang="fr-CA" noProof="0" dirty="0"/>
           </a:p>
         </p:txBody>
       </p:sp>
@@ -24632,30 +25194,69 @@
           <a:p>
             <a:pPr lvl="0"/>
             <a:r>
-              <a:rPr lang="en-CA" noProof="0" dirty="0"/>
-              <a:t>Click to edit Master text styles</a:t>
+              <a:rPr lang="fr-CA" noProof="0" dirty="0"/>
+              <a:t>Click to </a:t>
+            </a:r>
+            <a:r>
+              <a:rPr lang="fr-CA" noProof="0" dirty="0" err="1"/>
+              <a:t>edit</a:t>
+            </a:r>
+            <a:r>
+              <a:rPr lang="fr-CA" noProof="0" dirty="0"/>
+              <a:t> Master </a:t>
+            </a:r>
+            <a:r>
+              <a:rPr lang="fr-CA" noProof="0" dirty="0" err="1"/>
+              <a:t>text</a:t>
+            </a:r>
+            <a:r>
+              <a:rPr lang="fr-CA" noProof="0" dirty="0"/>
+              <a:t> styles</a:t>
             </a:r>
           </a:p>
           <a:p>
             <a:pPr lvl="1"/>
             <a:r>
-              <a:rPr lang="en-CA" noProof="0" dirty="0"/>
-              <a:t>Second level</a:t>
+              <a:rPr lang="fr-CA" noProof="0" dirty="0"/>
+              <a:t>Second </a:t>
             </a:r>
+            <a:r>
+              <a:rPr lang="fr-CA" noProof="0" dirty="0" err="1"/>
+              <a:t>level</a:t>
+            </a:r>
+            <a:endParaRPr lang="fr-CA" noProof="0" dirty="0"/>
           </a:p>
           <a:p>
             <a:pPr lvl="2"/>
             <a:r>
-              <a:rPr lang="en-CA" noProof="0" dirty="0"/>
-              <a:t>Third level</a:t>
+              <a:rPr lang="fr-CA" noProof="0" dirty="0" err="1"/>
+              <a:t>Third</a:t>
             </a:r>
+            <a:r>
+              <a:rPr lang="fr-CA" noProof="0" dirty="0"/>
+              <a:t> </a:t>
+            </a:r>
+            <a:r>
+              <a:rPr lang="fr-CA" noProof="0" dirty="0" err="1"/>
+              <a:t>level</a:t>
+            </a:r>
+            <a:endParaRPr lang="fr-CA" noProof="0" dirty="0"/>
           </a:p>
           <a:p>
             <a:pPr lvl="3"/>
             <a:r>
-              <a:rPr lang="en-CA" noProof="0" dirty="0"/>
-              <a:t>Fourth level</a:t>
+              <a:rPr lang="fr-CA" noProof="0" dirty="0" err="1"/>
+              <a:t>Fourth</a:t>
             </a:r>
+            <a:r>
+              <a:rPr lang="fr-CA" noProof="0" dirty="0"/>
+              <a:t> </a:t>
+            </a:r>
+            <a:r>
+              <a:rPr lang="fr-CA" noProof="0" dirty="0" err="1"/>
+              <a:t>level</a:t>
+            </a:r>
+            <a:endParaRPr lang="fr-CA" noProof="0" dirty="0"/>
           </a:p>
         </p:txBody>
       </p:sp>
@@ -24979,14 +25580,14 @@
             <p:ph idx="1"/>
             <p:extLst>
               <p:ext uri="{D42A27DB-BD31-4B8C-83A1-F6EECF244321}">
-                <p14:modId xmlns:p14="http://schemas.microsoft.com/office/powerpoint/2010/main" val="1352052256"/>
+                <p14:modId xmlns:p14="http://schemas.microsoft.com/office/powerpoint/2010/main" val="2865303978"/>
               </p:ext>
             </p:extLst>
           </p:nvPr>
         </p:nvGraphicFramePr>
         <p:xfrm>
-          <a:off x="304800" y="1200150"/>
-          <a:ext cx="3991897" cy="3435096"/>
+          <a:off x="304800" y="971550"/>
+          <a:ext cx="3810000" cy="3901377"/>
         </p:xfrm>
         <a:graphic>
           <a:graphicData uri="http://schemas.openxmlformats.org/drawingml/2006/table">
@@ -24995,7 +25596,7 @@
                 <a:tableStyleId>{5C22544A-7EE6-4342-B048-85BDC9FD1C3A}</a:tableStyleId>
               </a:tblPr>
               <a:tblGrid>
-                <a:gridCol w="3991897">
+                <a:gridCol w="3810000">
                   <a:extLst>
                     <a:ext uri="{9D8B030D-6E8A-4147-A177-3AD203B41FA5}">
                       <a16:colId xmlns:a16="http://schemas.microsoft.com/office/drawing/2014/main" val="1571522962"/>
@@ -25003,7 +25604,7 @@
                   </a:extLst>
                 </a:gridCol>
               </a:tblGrid>
-              <a:tr h="2670905">
+              <a:tr h="3849624">
                 <a:tc>
                   <a:txBody>
                     <a:bodyPr/>
@@ -25020,7 +25621,7 @@
                           <a:spcPts val="0"/>
                         </a:spcAft>
                       </a:pPr>
-                      <a:endParaRPr lang="en-US" sz="1400" b="0" dirty="0">
+                      <a:endParaRPr lang="fr-CA" sz="1400" b="0" dirty="0">
                         <a:solidFill>
                           <a:schemeClr val="tx1"/>
                         </a:solidFill>
@@ -25043,16 +25644,14 @@
                         </a:spcAft>
                       </a:pPr>
                       <a:r>
-                        <a:rPr lang="en-US" sz="1400" b="0" dirty="0">
+                        <a:rPr lang="fr-CA" sz="1400" b="0" dirty="0">
                           <a:solidFill>
                             <a:schemeClr val="tx1"/>
                           </a:solidFill>
                           <a:effectLst/>
                           <a:latin typeface="+mn-lt"/>
-                          <a:ea typeface="Calibri" panose="020F0502020204030204" pitchFamily="34" charset="0"/>
-                          <a:cs typeface="Times New Roman" panose="02020603050405020304" pitchFamily="18" charset="0"/>
                         </a:rPr>
-                        <a:t>In partnership with ACTA, Air Canada is pleased to offer the Air Canada Global Sales University, providing you with the opportunity to explore and learn about Air Canada’s products, destinations, and services. </a:t>
+                        <a:t>En partenariat avec l'ACTA, Air Canada est heureuse de vous présenter l'Université des Ventes mondiales d'Air Canada, qui vous permettra de découvrir les produits, les destinations et les services d'Air Canada et d'en apprendre davantage sur ces derniers. </a:t>
                       </a:r>
                     </a:p>
                     <a:p>
@@ -25067,7 +25666,7 @@
                           <a:spcPts val="0"/>
                         </a:spcAft>
                       </a:pPr>
-                      <a:endParaRPr lang="en-US" sz="1400" b="0" dirty="0">
+                      <a:endParaRPr lang="fr-CA" sz="1400" b="0" dirty="0">
                         <a:solidFill>
                           <a:schemeClr val="tx1"/>
                         </a:solidFill>
@@ -25090,16 +25689,14 @@
                         </a:spcAft>
                       </a:pPr>
                       <a:r>
-                        <a:rPr lang="en-US" sz="1400" b="0" dirty="0">
+                        <a:rPr lang="fr-CA" sz="1400" b="0" dirty="0">
                           <a:solidFill>
                             <a:schemeClr val="tx1"/>
                           </a:solidFill>
                           <a:effectLst/>
                           <a:latin typeface="+mn-lt"/>
-                          <a:ea typeface="Calibri" panose="020F0502020204030204" pitchFamily="34" charset="0"/>
-                          <a:cs typeface="Times New Roman" panose="02020603050405020304" pitchFamily="18" charset="0"/>
                         </a:rPr>
-                        <a:t>Successfully completing the curriculum will earn you your Air Canada Expert (ACE) certification, an acknowledgement of your commitment to ongoing education and expertise in selling the Air Canada family of products.</a:t>
+                        <a:t>Si vous suivez les cours avec succès, vous recevrez votre accréditation d'expert Air Canada (ACE), témoignant de votre engagement à l'égard de la formation continue et de votre statut d'expert dans la vente de produits d'Air Canada.</a:t>
                       </a:r>
                     </a:p>
                   </a:txBody>
@@ -25135,8 +25732,8 @@
           <a:lstStyle/>
           <a:p>
             <a:r>
-              <a:rPr lang="en-US" dirty="0"/>
-              <a:t>Welcome to the Air Canada Global Sales University</a:t>
+              <a:rPr lang="fr-CA" dirty="0"/>
+              <a:t>Bienvenue à l'Université des Ventes mondiales d'Air Canada.</a:t>
             </a:r>
           </a:p>
         </p:txBody>
@@ -25157,24 +25754,24 @@
           <a:lstStyle/>
           <a:p>
             <a:fld id="{13F43BBD-DABE-4D33-AD69-72CF93180FB1}" type="slidenum">
-              <a:rPr lang="en-CA" noProof="0" smtClean="0"/>
+              <a:rPr lang="fr-CA" noProof="0" smtClean="0"/>
               <a:pPr/>
               <a:t>1</a:t>
             </a:fld>
-            <a:endParaRPr lang="en-CA" noProof="0" dirty="0"/>
+            <a:endParaRPr lang="fr-CA" noProof="0" dirty="0"/>
           </a:p>
         </p:txBody>
       </p:sp>
       <p:pic>
         <p:nvPicPr>
-          <p:cNvPr id="6" name="Picture 5"/>
+          <p:cNvPr id="3" name="Picture 2"/>
           <p:cNvPicPr>
             <a:picLocks noChangeAspect="1"/>
           </p:cNvPicPr>
           <p:nvPr/>
         </p:nvPicPr>
         <p:blipFill>
-          <a:blip r:embed="rId2" cstate="print">
+          <a:blip r:embed="rId3" cstate="print">
             <a:extLst>
               <a:ext uri="{28A0092B-C50C-407E-A947-70E740481C1C}">
                 <a14:useLocalDpi xmlns:a14="http://schemas.microsoft.com/office/drawing/2010/main" val="0"/>
@@ -25187,8 +25784,8 @@
         </p:blipFill>
         <p:spPr>
           <a:xfrm>
-            <a:off x="4724400" y="2038350"/>
-            <a:ext cx="4204707" cy="1168909"/>
+            <a:off x="4724400" y="2152790"/>
+            <a:ext cx="3958397" cy="1099555"/>
           </a:xfrm>
           <a:prstGeom prst="rect">
             <a:avLst/>
@@ -25237,7 +25834,7 @@
           <p:nvPr/>
         </p:nvPicPr>
         <p:blipFill>
-          <a:blip r:embed="rId2" cstate="print">
+          <a:blip r:embed="rId3" cstate="print">
             <a:extLst>
               <a:ext uri="{28A0092B-C50C-407E-A947-70E740481C1C}">
                 <a14:useLocalDpi xmlns:a14="http://schemas.microsoft.com/office/drawing/2010/main" val="0"/>
@@ -25266,8 +25863,8 @@
         </p:nvSpPr>
         <p:spPr>
           <a:xfrm>
-            <a:off x="753291" y="643741"/>
-            <a:ext cx="2743200" cy="3970318"/>
+            <a:off x="753290" y="643741"/>
+            <a:ext cx="3590110" cy="3539430"/>
           </a:xfrm>
           <a:prstGeom prst="rect">
             <a:avLst/>
@@ -25280,28 +25877,34 @@
           <a:lstStyle/>
           <a:p>
             <a:r>
-              <a:rPr lang="en-US" sz="1400" dirty="0"/>
-              <a:t>Completing the 16 online modules, attaining a score of 80% or higher on each, will earn you a Captains badge.  </a:t>
+              <a:rPr lang="fr-CA" sz="1400" dirty="0"/>
+              <a:t>Si vous terminez les 16 modules en ligne et obtenez pour chacun une note d'au moins 80 %, vous recevrez un écusson de commandant de bord. </a:t>
             </a:r>
           </a:p>
           <a:p>
-            <a:endParaRPr lang="en-US" sz="1400" dirty="0"/>
+            <a:endParaRPr lang="fr-CA" sz="1400" dirty="0"/>
           </a:p>
           <a:p>
             <a:r>
-              <a:rPr lang="en-US" sz="1400" dirty="0"/>
-              <a:t>You will then be invited to complete two of three online, interactive certification exams to demonstrate the skills and knowledge acquired.  </a:t>
+              <a:rPr lang="fr-CA" sz="1400" dirty="0"/>
+              <a:t>Vous serez ensuite invité à passer </a:t>
+            </a:r>
+            <a:br>
+              <a:rPr lang="fr-CA" sz="1400" dirty="0"/>
+            </a:br>
+            <a:r>
+              <a:rPr lang="fr-CA" sz="1400" dirty="0"/>
+              <a:t>deux des trois examens de certification interactifs en ligne pour faire la démonstration des connaissances et des compétences acquises. </a:t>
             </a:r>
           </a:p>
           <a:p>
-            <a:endParaRPr lang="en-US" sz="1400" dirty="0"/>
+            <a:endParaRPr lang="fr-CA" sz="1400" dirty="0"/>
           </a:p>
           <a:p>
             <a:r>
-              <a:rPr lang="en-US" sz="1400" dirty="0"/>
-              <a:t>Successfully completing the certification exams will earn you Air Canada Expert (ACE) status and your Air Canada Expert certificate.  </a:t>
+              <a:rPr lang="fr-CA" sz="1400" dirty="0"/>
+              <a:t>Si vous réussissez les examens de certification, vous recevrez votre statut et votre certificat d'expert Air Canada (ACE). </a:t>
             </a:r>
-            <a:endParaRPr lang="en-CA" sz="1400" dirty="0"/>
           </a:p>
         </p:txBody>
       </p:sp>
@@ -25314,7 +25917,7 @@
           <p:nvPr/>
         </p:nvPicPr>
         <p:blipFill>
-          <a:blip r:embed="rId2" cstate="print">
+          <a:blip r:embed="rId3" cstate="print">
             <a:extLst>
               <a:ext uri="{28A0092B-C50C-407E-A947-70E740481C1C}">
                 <a14:useLocalDpi xmlns:a14="http://schemas.microsoft.com/office/drawing/2010/main" val="0"/>
@@ -25344,7 +25947,7 @@
           <p:nvPr/>
         </p:nvPicPr>
         <p:blipFill>
-          <a:blip r:embed="rId3" cstate="print">
+          <a:blip r:embed="rId4" cstate="print">
             <a:extLst>
               <a:ext uri="{28A0092B-C50C-407E-A947-70E740481C1C}">
                 <a14:useLocalDpi xmlns:a14="http://schemas.microsoft.com/office/drawing/2010/main" val="0"/>
@@ -25367,22 +25970,58 @@
       </p:pic>
       <p:pic>
         <p:nvPicPr>
-          <p:cNvPr id="3" name="Picture 2"/>
+          <p:cNvPr id="7" name="Picture 6"/>
           <p:cNvPicPr>
             <a:picLocks noChangeAspect="1"/>
           </p:cNvPicPr>
           <p:nvPr/>
         </p:nvPicPr>
         <p:blipFill>
-          <a:blip r:embed="rId4"/>
+          <a:blip r:embed="rId5" cstate="print">
+            <a:extLst>
+              <a:ext uri="{28A0092B-C50C-407E-A947-70E740481C1C}">
+                <a14:useLocalDpi xmlns:a14="http://schemas.microsoft.com/office/drawing/2010/main" val="0"/>
+              </a:ext>
+            </a:extLst>
+          </a:blip>
           <a:stretch>
             <a:fillRect/>
           </a:stretch>
         </p:blipFill>
         <p:spPr>
           <a:xfrm>
-            <a:off x="5291137" y="428971"/>
-            <a:ext cx="2371725" cy="1805493"/>
+            <a:off x="5640549" y="751271"/>
+            <a:ext cx="1901502" cy="528195"/>
+          </a:xfrm>
+          <a:prstGeom prst="rect">
+            <a:avLst/>
+          </a:prstGeom>
+        </p:spPr>
+      </p:pic>
+      <p:pic>
+        <p:nvPicPr>
+          <p:cNvPr id="4" name="Picture 3"/>
+          <p:cNvPicPr>
+            <a:picLocks noChangeAspect="1"/>
+          </p:cNvPicPr>
+          <p:nvPr/>
+        </p:nvPicPr>
+        <p:blipFill>
+          <a:blip r:embed="rId6" cstate="print">
+            <a:extLst>
+              <a:ext uri="{28A0092B-C50C-407E-A947-70E740481C1C}">
+                <a14:useLocalDpi xmlns:a14="http://schemas.microsoft.com/office/drawing/2010/main" val="0"/>
+              </a:ext>
+            </a:extLst>
+          </a:blip>
+          <a:stretch>
+            <a:fillRect/>
+          </a:stretch>
+        </p:blipFill>
+        <p:spPr>
+          <a:xfrm>
+            <a:off x="6781800" y="1331718"/>
+            <a:ext cx="590442" cy="738053"/>
           </a:xfrm>
           <a:prstGeom prst="rect">
             <a:avLst/>
@@ -25431,7 +26070,7 @@
           <p:nvPr/>
         </p:nvPicPr>
         <p:blipFill>
-          <a:blip r:embed="rId2" cstate="print">
+          <a:blip r:embed="rId3" cstate="print">
             <a:extLst>
               <a:ext uri="{28A0092B-C50C-407E-A947-70E740481C1C}">
                 <a14:useLocalDpi xmlns:a14="http://schemas.microsoft.com/office/drawing/2010/main" val="0"/>
@@ -25461,11 +26100,11 @@
           <p:nvPr/>
         </p:nvPicPr>
         <p:blipFill>
-          <a:blip r:embed="rId3" cstate="print">
+          <a:blip r:embed="rId4" cstate="print">
             <a:extLst>
               <a:ext uri="{BEBA8EAE-BF5A-486C-A8C5-ECC9F3942E4B}">
                 <a14:imgProps xmlns:a14="http://schemas.microsoft.com/office/drawing/2010/main">
-                  <a14:imgLayer r:embed="rId4">
+                  <a14:imgLayer r:embed="rId5">
                     <a14:imgEffect>
                       <a14:backgroundRemoval t="10000" b="90000" l="10000" r="90000"/>
                     </a14:imgEffect>
@@ -25500,7 +26139,7 @@
         <p:spPr>
           <a:xfrm>
             <a:off x="685800" y="923087"/>
-            <a:ext cx="3962400" cy="3172663"/>
+            <a:ext cx="4191000" cy="3172663"/>
           </a:xfrm>
           <a:prstGeom prst="rect">
             <a:avLst/>
@@ -25518,20 +26157,20 @@
               </a:lnSpc>
             </a:pPr>
             <a:r>
-              <a:rPr lang="en-US" sz="1400" dirty="0"/>
-              <a:t>The certification will be accompanied by the </a:t>
+              <a:rPr lang="fr-CA" sz="1400" dirty="0"/>
+              <a:t>Le certificat sera accompagné de la </a:t>
             </a:r>
             <a:r>
-              <a:rPr lang="en-US" sz="1400" dirty="0">
+              <a:rPr lang="fr-CA" sz="1400" dirty="0">
                 <a:solidFill>
                   <a:srgbClr val="F01428"/>
                 </a:solidFill>
               </a:rPr>
-              <a:t>Air Canada Expert Recognition Kit,</a:t>
+              <a:t>trousse de reconnaissance de l'expert Air Canada</a:t>
             </a:r>
             <a:r>
-              <a:rPr lang="en-US" sz="1400" dirty="0"/>
-              <a:t> which includes:</a:t>
+              <a:rPr lang="fr-CA" sz="1400" dirty="0"/>
+              <a:t>, qui comprend :</a:t>
             </a:r>
           </a:p>
           <a:p>
@@ -25540,7 +26179,7 @@
                 <a:spcPct val="100000"/>
               </a:lnSpc>
             </a:pPr>
-            <a:endParaRPr lang="en-US" sz="1400" dirty="0"/>
+            <a:endParaRPr lang="fr-CA" sz="1400" dirty="0"/>
           </a:p>
           <a:p>
             <a:pPr marL="742901" lvl="1" indent="-285750">
@@ -25551,8 +26190,8 @@
               <a:buChar char="•"/>
             </a:pPr>
             <a:r>
-              <a:rPr lang="en-US" sz="1400" dirty="0"/>
-              <a:t>Air Canada Expert graduation certificate. </a:t>
+              <a:rPr lang="fr-CA" sz="1400" dirty="0"/>
+              <a:t>un diplôme d'expert Air Canada; </a:t>
             </a:r>
           </a:p>
           <a:p>
@@ -25564,8 +26203,8 @@
               <a:buChar char="•"/>
             </a:pPr>
             <a:r>
-              <a:rPr lang="en-US" sz="1400" dirty="0"/>
-              <a:t>Air Canada Expert recognition pin.</a:t>
+              <a:rPr lang="fr-CA" sz="1400" dirty="0"/>
+              <a:t>une épingle d'expert Air Canada;</a:t>
             </a:r>
           </a:p>
           <a:p>
@@ -25577,8 +26216,8 @@
               <a:buChar char="•"/>
             </a:pPr>
             <a:r>
-              <a:rPr lang="en-US" sz="1400" dirty="0"/>
-              <a:t>Air Canada Expert logo for inclusion on your business card or electronic communications.</a:t>
+              <a:rPr lang="fr-CA" sz="1400" dirty="0"/>
+              <a:t>un logo d'expert Air Canada à ajouter sur votre carte professionnelle ou dans vos communications électroniques;</a:t>
             </a:r>
           </a:p>
           <a:p>
@@ -25590,8 +26229,15 @@
               <a:buChar char="•"/>
             </a:pPr>
             <a:r>
-              <a:rPr lang="en-US" sz="1400" dirty="0"/>
-              <a:t>Air Canada Expert window decal.</a:t>
+              <a:rPr lang="fr-CA" sz="1400" dirty="0"/>
+              <a:t>un décalque d'expert Air Canada </a:t>
+            </a:r>
+            <a:br>
+              <a:rPr lang="fr-CA" sz="1400" dirty="0"/>
+            </a:br>
+            <a:r>
+              <a:rPr lang="fr-CA" sz="1400" dirty="0"/>
+              <a:t>à coller dans une fenêtre;</a:t>
             </a:r>
           </a:p>
           <a:p>
@@ -25606,8 +26252,15 @@
               <a:buChar char="•"/>
             </a:pPr>
             <a:r>
-              <a:rPr lang="en-US" sz="1400" dirty="0"/>
-              <a:t>Inducted into our ACE Hall of Fame. </a:t>
+              <a:rPr lang="fr-CA" sz="1400" dirty="0"/>
+              <a:t>l'introduction à notre panthéon </a:t>
+            </a:r>
+            <a:br>
+              <a:rPr lang="fr-CA" sz="1400" dirty="0"/>
+            </a:br>
+            <a:r>
+              <a:rPr lang="fr-CA" sz="1400" dirty="0"/>
+              <a:t>des experts Air Canada. </a:t>
             </a:r>
           </a:p>
         </p:txBody>
@@ -25654,7 +26307,7 @@
           <p:nvPr/>
         </p:nvPicPr>
         <p:blipFill>
-          <a:blip r:embed="rId2" cstate="print">
+          <a:blip r:embed="rId3" cstate="print">
             <a:extLst>
               <a:ext uri="{28A0092B-C50C-407E-A947-70E740481C1C}">
                 <a14:useLocalDpi xmlns:a14="http://schemas.microsoft.com/office/drawing/2010/main" val="0"/>
@@ -25691,7 +26344,7 @@
           <p:nvPr/>
         </p:nvPicPr>
         <p:blipFill>
-          <a:blip r:embed="rId3" cstate="print">
+          <a:blip r:embed="rId4" cstate="print">
             <a:extLst>
               <a:ext uri="{28A0092B-C50C-407E-A947-70E740481C1C}">
                 <a14:useLocalDpi xmlns:a14="http://schemas.microsoft.com/office/drawing/2010/main" val="0"/>
@@ -25728,7 +26381,7 @@
           <p:nvPr/>
         </p:nvPicPr>
         <p:blipFill>
-          <a:blip r:embed="rId4" cstate="print">
+          <a:blip r:embed="rId5" cstate="print">
             <a:extLst>
               <a:ext uri="{28A0092B-C50C-407E-A947-70E740481C1C}">
                 <a14:useLocalDpi xmlns:a14="http://schemas.microsoft.com/office/drawing/2010/main" val="0"/>
@@ -25765,7 +26418,7 @@
           <p:nvPr/>
         </p:nvPicPr>
         <p:blipFill>
-          <a:blip r:embed="rId5" cstate="print">
+          <a:blip r:embed="rId6" cstate="print">
             <a:extLst>
               <a:ext uri="{28A0092B-C50C-407E-A947-70E740481C1C}">
                 <a14:useLocalDpi xmlns:a14="http://schemas.microsoft.com/office/drawing/2010/main" val="0"/>
@@ -25801,8 +26454,8 @@
         </p:nvSpPr>
         <p:spPr>
           <a:xfrm>
-            <a:off x="482216" y="779569"/>
-            <a:ext cx="3272051" cy="3293209"/>
+            <a:off x="482216" y="557212"/>
+            <a:ext cx="3272051" cy="4031873"/>
           </a:xfrm>
           <a:prstGeom prst="rect">
             <a:avLst/>
@@ -25814,36 +26467,36 @@
           </a:bodyPr>
           <a:lstStyle/>
           <a:p>
-            <a:endParaRPr lang="en-US" sz="1600" dirty="0"/>
+            <a:endParaRPr lang="fr-CA" sz="1600" dirty="0"/>
           </a:p>
           <a:p>
             <a:r>
-              <a:rPr lang="en-US" sz="1600" dirty="0">
+              <a:rPr lang="fr-CA" sz="1600" dirty="0">
                 <a:solidFill>
                   <a:srgbClr val="C00000"/>
                 </a:solidFill>
               </a:rPr>
-              <a:t>Bonus!</a:t>
+              <a:t>Bonne nouvelle!</a:t>
             </a:r>
             <a:r>
-              <a:rPr lang="en-US" sz="1600" dirty="0"/>
-              <a:t>  Successfully completing all 16 online modules and all </a:t>
+              <a:rPr lang="fr-CA" sz="1600" dirty="0"/>
+              <a:t> Si vous réussissez les 16 modules en ligne et les </a:t>
             </a:r>
             <a:r>
-              <a:rPr lang="en-US" sz="1600" u="sng" dirty="0"/>
-              <a:t>3</a:t>
+              <a:rPr lang="fr-CA" sz="1600" u="sng" dirty="0"/>
+              <a:t>trois</a:t>
             </a:r>
             <a:r>
-              <a:rPr lang="en-US" sz="1600" dirty="0"/>
-              <a:t> case studies by December 31</a:t>
+              <a:rPr lang="fr-CA" sz="1600" dirty="0"/>
+              <a:t> études de cas d'ici le 31</a:t>
             </a:r>
             <a:r>
-              <a:rPr lang="en-US" sz="1600" baseline="30000" dirty="0"/>
-              <a:t>st</a:t>
+              <a:rPr lang="fr-CA" sz="1600" baseline="30000" dirty="0"/>
+              <a:t> </a:t>
             </a:r>
             <a:r>
-              <a:rPr lang="en-US" sz="1600" dirty="0"/>
-              <a:t>, 2016 will make you eligible to win a spot on one of three exclusive Air Canada ACE fams to be conducted in 2017 to exciting Air Canada destinations worldwide, in partnership with the Ritz Carleton Hotels.  </a:t>
+              <a:rPr lang="fr-CA" sz="1600" dirty="0"/>
+              <a:t>décembre 2016, vous courrez la chance de participer à l'un des trois voyages de familiarisation exclusifs pour ACE Air Canada, qui auront lieu en 2017 et qui vous emmèneront vers de merveilleuses destinations d'Air Canada partout dans le monde, en partenariat avec les hôtels Ritz Carleton. </a:t>
             </a:r>
           </a:p>
         </p:txBody>
@@ -25857,7 +26510,7 @@
           <p:nvPr/>
         </p:nvPicPr>
         <p:blipFill>
-          <a:blip r:embed="rId6" cstate="print">
+          <a:blip r:embed="rId7" cstate="print">
             <a:extLst>
               <a:ext uri="{28A0092B-C50C-407E-A947-70E740481C1C}">
                 <a14:useLocalDpi xmlns:a14="http://schemas.microsoft.com/office/drawing/2010/main" val="0"/>
@@ -25894,7 +26547,7 @@
           <p:nvPr/>
         </p:nvPicPr>
         <p:blipFill>
-          <a:blip r:embed="rId7" cstate="print">
+          <a:blip r:embed="rId8" cstate="print">
             <a:extLst>
               <a:ext uri="{28A0092B-C50C-407E-A947-70E740481C1C}">
                 <a14:useLocalDpi xmlns:a14="http://schemas.microsoft.com/office/drawing/2010/main" val="0"/>
@@ -25964,7 +26617,7 @@
           <p:nvPr/>
         </p:nvPicPr>
         <p:blipFill>
-          <a:blip r:embed="rId2"/>
+          <a:blip r:embed="rId3"/>
           <a:stretch>
             <a:fillRect/>
           </a:stretch>
@@ -26024,8 +26677,8 @@
         </p:nvSpPr>
         <p:spPr>
           <a:xfrm>
-            <a:off x="1086134" y="1504950"/>
-            <a:ext cx="2438400" cy="2031325"/>
+            <a:off x="1086134" y="1560636"/>
+            <a:ext cx="2952466" cy="2031325"/>
           </a:xfrm>
           <a:prstGeom prst="rect">
             <a:avLst/>
@@ -26038,57 +26691,33 @@
           <a:lstStyle/>
           <a:p>
             <a:r>
-              <a:rPr lang="en-US" dirty="0">
+              <a:rPr lang="fr-CA" dirty="0">
                 <a:solidFill>
                   <a:srgbClr val="C00000"/>
                 </a:solidFill>
                 <a:latin typeface="Calibri" panose="020F0502020204030204" pitchFamily="34" charset="0"/>
-                <a:ea typeface="Calibri" panose="020F0502020204030204" pitchFamily="34" charset="0"/>
-                <a:cs typeface="Times New Roman" panose="02020603050405020304" pitchFamily="18" charset="0"/>
               </a:rPr>
-              <a:t>Extra Bonus! </a:t>
+              <a:t>En prime! </a:t>
             </a:r>
             <a:r>
-              <a:rPr lang="en-US" dirty="0">
+              <a:rPr lang="fr-CA" dirty="0">
                 <a:latin typeface="Calibri" panose="020F0502020204030204" pitchFamily="34" charset="0"/>
-                <a:ea typeface="Calibri" panose="020F0502020204030204" pitchFamily="34" charset="0"/>
-                <a:cs typeface="Times New Roman" panose="02020603050405020304" pitchFamily="18" charset="0"/>
               </a:rPr>
-              <a:t> Successfully complete the online modules and all 3 case studies by </a:t>
+              <a:t>Si vous terminez les modules en ligne et les trois études de cas au plus tard le </a:t>
             </a:r>
             <a:r>
-              <a:rPr lang="en-US" u="sng" dirty="0">
+              <a:rPr lang="fr-CA" u="sng" dirty="0">
                 <a:latin typeface="Calibri" panose="020F0502020204030204" pitchFamily="34" charset="0"/>
-                <a:ea typeface="Calibri" panose="020F0502020204030204" pitchFamily="34" charset="0"/>
-                <a:cs typeface="Times New Roman" panose="02020603050405020304" pitchFamily="18" charset="0"/>
               </a:rPr>
-              <a:t>November 30</a:t>
+              <a:t>30 novembre 2016</a:t>
             </a:r>
             <a:r>
-              <a:rPr lang="en-US" u="sng" baseline="30000" dirty="0">
+              <a:rPr lang="fr-CA" dirty="0">
                 <a:latin typeface="Calibri" panose="020F0502020204030204" pitchFamily="34" charset="0"/>
-                <a:ea typeface="Calibri" panose="020F0502020204030204" pitchFamily="34" charset="0"/>
-                <a:cs typeface="Times New Roman" panose="02020603050405020304" pitchFamily="18" charset="0"/>
               </a:rPr>
-              <a:t>th</a:t>
+              <a:t>, vous serez admissible au tirage de l'un des trois iPad Pro d'Apple. </a:t>
             </a:r>
-            <a:r>
-              <a:rPr lang="en-US" u="sng" dirty="0">
-                <a:latin typeface="Calibri" panose="020F0502020204030204" pitchFamily="34" charset="0"/>
-                <a:ea typeface="Calibri" panose="020F0502020204030204" pitchFamily="34" charset="0"/>
-                <a:cs typeface="Times New Roman" panose="02020603050405020304" pitchFamily="18" charset="0"/>
-              </a:rPr>
-              <a:t>, 2016 </a:t>
-            </a:r>
-            <a:r>
-              <a:rPr lang="en-US" dirty="0">
-                <a:latin typeface="Calibri" panose="020F0502020204030204" pitchFamily="34" charset="0"/>
-                <a:ea typeface="Calibri" panose="020F0502020204030204" pitchFamily="34" charset="0"/>
-                <a:cs typeface="Times New Roman" panose="02020603050405020304" pitchFamily="18" charset="0"/>
-              </a:rPr>
-              <a:t>to be eligible to win one of three Apple IPad Pros.  </a:t>
-            </a:r>
-            <a:endParaRPr lang="en-US" dirty="0"/>
+            <a:endParaRPr lang="fr-CA" dirty="0"/>
           </a:p>
         </p:txBody>
       </p:sp>
@@ -26138,7 +26767,7 @@
           <p:nvPr/>
         </p:nvPicPr>
         <p:blipFill>
-          <a:blip r:embed="rId3" cstate="print">
+          <a:blip r:embed="rId4" cstate="print">
             <a:extLst>
               <a:ext uri="{28A0092B-C50C-407E-A947-70E740481C1C}">
                 <a14:useLocalDpi xmlns:a14="http://schemas.microsoft.com/office/drawing/2010/main" val="0"/>
@@ -26205,7 +26834,7 @@
           <p:nvPr/>
         </p:nvPicPr>
         <p:blipFill>
-          <a:blip r:embed="rId4" cstate="print">
+          <a:blip r:embed="rId5" cstate="print">
             <a:extLst>
               <a:ext uri="{28A0092B-C50C-407E-A947-70E740481C1C}">
                 <a14:useLocalDpi xmlns:a14="http://schemas.microsoft.com/office/drawing/2010/main" val="0"/>
@@ -26284,21 +26913,21 @@
             <a:pPr marL="0" indent="0" algn="r">
               <a:buNone/>
             </a:pPr>
-            <a:endParaRPr lang="en-US" b="0" dirty="0"/>
+            <a:endParaRPr lang="fr-CA" b="0" dirty="0"/>
           </a:p>
           <a:p>
             <a:pPr marL="0" indent="0" algn="r">
               <a:buNone/>
             </a:pPr>
-            <a:endParaRPr lang="en-US" b="0" dirty="0"/>
+            <a:endParaRPr lang="fr-CA" b="0" dirty="0"/>
           </a:p>
           <a:p>
             <a:pPr marL="0" indent="0" algn="r">
               <a:buNone/>
             </a:pPr>
             <a:r>
-              <a:rPr lang="en-US" b="0" dirty="0"/>
-              <a:t>From all of us at Air Canada, thank you for your continued support and your engagement with the Air Canada Global Sales University.</a:t>
+              <a:rPr lang="fr-CA" b="0" dirty="0"/>
+              <a:t>De la part de nous tous à Air Canada, je tiens à vous remercier de votre soutien constant et de votre engagement à l'égard de l'Université des Ventes mondiales d'Air Canada.</a:t>
             </a:r>
           </a:p>
         </p:txBody>
@@ -26319,8 +26948,8 @@
           <a:lstStyle/>
           <a:p>
             <a:r>
-              <a:rPr lang="en-US" dirty="0"/>
-              <a:t>Thank You</a:t>
+              <a:rPr lang="fr-CA" dirty="0"/>
+              <a:t>Merci</a:t>
             </a:r>
           </a:p>
         </p:txBody>
@@ -26341,11 +26970,11 @@
           <a:lstStyle/>
           <a:p>
             <a:fld id="{13F43BBD-DABE-4D33-AD69-72CF93180FB1}" type="slidenum">
-              <a:rPr lang="en-CA" smtClean="0"/>
+              <a:rPr lang="fr-CA" smtClean="0"/>
               <a:pPr/>
               <a:t>6</a:t>
             </a:fld>
-            <a:endParaRPr lang="en-CA" dirty="0"/>
+            <a:endParaRPr lang="fr-CA" dirty="0"/>
           </a:p>
         </p:txBody>
       </p:sp>
@@ -26358,7 +26987,7 @@
           <p:nvPr/>
         </p:nvPicPr>
         <p:blipFill>
-          <a:blip r:embed="rId2" cstate="print">
+          <a:blip r:embed="rId3" cstate="print">
             <a:extLst>
               <a:ext uri="{28A0092B-C50C-407E-A947-70E740481C1C}">
                 <a14:useLocalDpi xmlns:a14="http://schemas.microsoft.com/office/drawing/2010/main" val="0"/>
@@ -27254,16 +27883,6 @@
 </file>
 
 <file path=customXml/item1.xml><?xml version="1.0" encoding="utf-8"?>
-<p:properties xmlns:p="http://schemas.microsoft.com/office/2006/metadata/properties" xmlns:xsi="http://www.w3.org/2001/XMLSchema-instance" xmlns:pc="http://schemas.microsoft.com/office/infopath/2007/PartnerControls">
-  <documentManagement>
-    <VariationsItemGroupID xmlns="http://schemas.microsoft.com/sharepoint/v3">5ed99e38-7f30-4fee-bd5a-0ae199eab643</VariationsItemGroupID>
-    <PublishingExpirationDate xmlns="http://schemas.microsoft.com/sharepoint/v3" xsi:nil="true"/>
-    <PublishingStartDate xmlns="http://schemas.microsoft.com/sharepoint/v3" xsi:nil="true"/>
-  </documentManagement>
-</p:properties>
-</file>
-
-<file path=customXml/item2.xml><?xml version="1.0" encoding="utf-8"?>
 <?mso-contentType ?>
 <FormTemplates xmlns="http://schemas.microsoft.com/sharepoint/v3/contenttype/forms">
   <Display>DocumentLibraryForm</Display>
@@ -27272,7 +27891,7 @@
 </FormTemplates>
 </file>
 
-<file path=customXml/item3.xml><?xml version="1.0" encoding="utf-8"?>
+<file path=customXml/item2.xml><?xml version="1.0" encoding="utf-8"?>
 <ct:contentTypeSchema xmlns:ct="http://schemas.microsoft.com/office/2006/metadata/contentType" xmlns:ma="http://schemas.microsoft.com/office/2006/metadata/properties/metaAttributes" ct:_="" ma:_="" ma:contentTypeName="Document" ma:contentTypeID="0x010100BE70C1E3BF4E40439C03282F85893723" ma:contentTypeVersion="5" ma:contentTypeDescription="Create a new document." ma:contentTypeScope="" ma:versionID="11890e1bc892f9ac4f8f5aa5caebdfcb">
   <xsd:schema xmlns:xsd="http://www.w3.org/2001/XMLSchema" xmlns:xs="http://www.w3.org/2001/XMLSchema" xmlns:p="http://schemas.microsoft.com/office/2006/metadata/properties" xmlns:ns1="http://schemas.microsoft.com/sharepoint/v3" xmlns:ns2="1535186c-0071-426e-8dd9-d87c78d61807" xmlns:ns3="9b6a0882-390a-4a68-9f8e-74c5af634169" xmlns:ns4="ec4ea383-bdb1-4cf5-87d5-3a0c501932d6" targetNamespace="http://schemas.microsoft.com/office/2006/metadata/properties" ma:root="true" ma:fieldsID="992879c7a7f08dbee109572dba38199e" ns1:_="" ns2:_="" ns3:_="" ns4:_="">
     <xsd:import namespace="http://schemas.microsoft.com/sharepoint/v3"/>
@@ -27459,26 +28078,17 @@
 </ct:contentTypeSchema>
 </file>
 
-<file path=customXml/itemProps1.xml><?xml version="1.0" encoding="utf-8"?>
-<ds:datastoreItem xmlns:ds="http://schemas.openxmlformats.org/officeDocument/2006/customXml" ds:itemID="{59F4546C-2649-44AD-AD75-B22116CE5ED2}">
-  <ds:schemaRefs>
-    <ds:schemaRef ds:uri="http://schemas.microsoft.com/office/2006/documentManagement/types"/>
-    <ds:schemaRef ds:uri="1535186c-0071-426e-8dd9-d87c78d61807"/>
-    <ds:schemaRef ds:uri="http://purl.org/dc/terms/"/>
-    <ds:schemaRef ds:uri="http://purl.org/dc/dcmitype/"/>
-    <ds:schemaRef ds:uri="9b6a0882-390a-4a68-9f8e-74c5af634169"/>
-    <ds:schemaRef ds:uri="http://schemas.microsoft.com/office/infopath/2007/PartnerControls"/>
-    <ds:schemaRef ds:uri="ec4ea383-bdb1-4cf5-87d5-3a0c501932d6"/>
-    <ds:schemaRef ds:uri="http://purl.org/dc/elements/1.1/"/>
-    <ds:schemaRef ds:uri="http://schemas.microsoft.com/sharepoint/v3"/>
-    <ds:schemaRef ds:uri="http://schemas.openxmlformats.org/package/2006/metadata/core-properties"/>
-    <ds:schemaRef ds:uri="http://schemas.microsoft.com/office/2006/metadata/properties"/>
-    <ds:schemaRef ds:uri="http://www.w3.org/XML/1998/namespace"/>
-  </ds:schemaRefs>
-</ds:datastoreItem>
+<file path=customXml/item3.xml><?xml version="1.0" encoding="utf-8"?>
+<p:properties xmlns:p="http://schemas.microsoft.com/office/2006/metadata/properties" xmlns:xsi="http://www.w3.org/2001/XMLSchema-instance" xmlns:pc="http://schemas.microsoft.com/office/infopath/2007/PartnerControls">
+  <documentManagement>
+    <VariationsItemGroupID xmlns="http://schemas.microsoft.com/sharepoint/v3">5ed99e38-7f30-4fee-bd5a-0ae199eab643</VariationsItemGroupID>
+    <PublishingExpirationDate xmlns="http://schemas.microsoft.com/sharepoint/v3" xsi:nil="true"/>
+    <PublishingStartDate xmlns="http://schemas.microsoft.com/sharepoint/v3" xsi:nil="true"/>
+  </documentManagement>
+</p:properties>
 </file>
 
-<file path=customXml/itemProps2.xml><?xml version="1.0" encoding="utf-8"?>
+<file path=customXml/itemProps1.xml><?xml version="1.0" encoding="utf-8"?>
 <ds:datastoreItem xmlns:ds="http://schemas.openxmlformats.org/officeDocument/2006/customXml" ds:itemID="{D4B9A3CC-4B24-45B6-87D5-9465320AFD1B}">
   <ds:schemaRefs>
     <ds:schemaRef ds:uri="http://schemas.microsoft.com/sharepoint/v3/contenttype/forms"/>
@@ -27486,7 +28096,7 @@
 </ds:datastoreItem>
 </file>
 
-<file path=customXml/itemProps3.xml><?xml version="1.0" encoding="utf-8"?>
+<file path=customXml/itemProps2.xml><?xml version="1.0" encoding="utf-8"?>
 <ds:datastoreItem xmlns:ds="http://schemas.openxmlformats.org/officeDocument/2006/customXml" ds:itemID="{78DF37A7-7741-467B-8ABE-8A60BDFDE63F}">
   <ds:schemaRefs>
     <ds:schemaRef ds:uri="http://schemas.microsoft.com/office/2006/metadata/contentType"/>
@@ -27505,4 +28115,23 @@
     <ds:schemaRef ds:uri="http://schemas.microsoft.com/internal/obd"/>
   </ds:schemaRefs>
 </ds:datastoreItem>
+</file>
+
+<file path=customXml/itemProps3.xml><?xml version="1.0" encoding="utf-8"?>
+<ds:datastoreItem xmlns:ds="http://schemas.openxmlformats.org/officeDocument/2006/customXml" ds:itemID="{59F4546C-2649-44AD-AD75-B22116CE5ED2}">
+  <ds:schemaRefs>
+    <ds:schemaRef ds:uri="http://schemas.microsoft.com/office/infopath/2007/PartnerControls"/>
+    <ds:schemaRef ds:uri="9b6a0882-390a-4a68-9f8e-74c5af634169"/>
+    <ds:schemaRef ds:uri="http://schemas.microsoft.com/office/2006/metadata/properties"/>
+    <ds:schemaRef ds:uri="http://purl.org/dc/terms/"/>
+    <ds:schemaRef ds:uri="http://schemas.openxmlformats.org/package/2006/metadata/core-properties"/>
+    <ds:schemaRef ds:uri="http://purl.org/dc/dcmitype/"/>
+    <ds:schemaRef ds:uri="ec4ea383-bdb1-4cf5-87d5-3a0c501932d6"/>
+    <ds:schemaRef ds:uri="http://schemas.microsoft.com/sharepoint/v3"/>
+    <ds:schemaRef ds:uri="http://schemas.microsoft.com/office/2006/documentManagement/types"/>
+    <ds:schemaRef ds:uri="1535186c-0071-426e-8dd9-d87c78d61807"/>
+    <ds:schemaRef ds:uri="http://www.w3.org/XML/1998/namespace"/>
+    <ds:schemaRef ds:uri="http://purl.org/dc/elements/1.1/"/>
+  </ds:schemaRefs>
+</ds:datastoreItem>
 </file>